--- a/CocosStudio_DevTool.pptx
+++ b/CocosStudio_DevTool.pptx
@@ -3276,19 +3276,19 @@
               <a:t> </a:t>
             </a:r>
             <a:r>
-              <a:rPr lang="en-US" altLang="zh-TW" dirty="0" err="1" smtClean="0"/>
+              <a:rPr lang="en-US" altLang="zh-TW" err="1" smtClean="0"/>
               <a:t>inanna</a:t>
             </a:r>
             <a:r>
-              <a:rPr lang="en-US" altLang="zh-TW" dirty="0" smtClean="0"/>
-              <a:t> repo </a:t>
-            </a:r>
-            <a:r>
-              <a:rPr lang="zh-TW" altLang="en-US" dirty="0"/>
-              <a:t>→</a:t>
-            </a:r>
-            <a:r>
-              <a:rPr lang="en-US" altLang="zh-TW" dirty="0" smtClean="0"/>
+              <a:rPr lang="en-US" altLang="zh-TW" smtClean="0"/>
+              <a:t> </a:t>
+            </a:r>
+            <a:r>
+              <a:rPr lang="zh-TW" altLang="en-US" smtClean="0"/>
+              <a:t>倉庫→</a:t>
+            </a:r>
+            <a:r>
+              <a:rPr lang="en-US" altLang="zh-TW" smtClean="0"/>
               <a:t> </a:t>
             </a:r>
             <a:r>

--- a/CocosStudio_DevTool.pptx
+++ b/CocosStudio_DevTool.pptx
@@ -3048,24 +3048,49 @@
         <p:spPr>
           <a:xfrm>
             <a:off x="0" y="0"/>
-            <a:ext cx="3456384" cy="1107554"/>
+            <a:ext cx="6228184" cy="1107554"/>
           </a:xfrm>
         </p:spPr>
         <p:txBody>
           <a:bodyPr>
-            <a:normAutofit fontScale="90000"/>
+            <a:normAutofit/>
           </a:bodyPr>
           <a:lstStyle/>
           <a:p>
+            <a:pPr algn="l"/>
             <a:r>
               <a:rPr lang="en-US" altLang="zh-TW" sz="3000" dirty="0"/>
               <a:t> </a:t>
             </a:r>
             <a:r>
-              <a:rPr lang="en-US" altLang="zh-TW" sz="3000" dirty="0" err="1"/>
+              <a:rPr lang="en-US" altLang="zh-TW" sz="3000" dirty="0" err="1" smtClean="0"/>
               <a:t>CocosStudio_DevTool</a:t>
             </a:r>
-            <a:endParaRPr lang="zh-TW" altLang="en-US" sz="3000" dirty="0"/>
+            <a:r>
+              <a:rPr lang="zh-TW" altLang="en-US" sz="3000" dirty="0" smtClean="0"/>
+              <a:t>  </a:t>
+            </a:r>
+            <a:r>
+              <a:rPr lang="zh-TW" altLang="en-US" sz="1800" dirty="0" smtClean="0"/>
+              <a:t>自動</a:t>
+            </a:r>
+            <a:r>
+              <a:rPr lang="zh-TW" altLang="en-US" sz="1800" dirty="0" smtClean="0"/>
+              <a:t>編</a:t>
+            </a:r>
+            <a:r>
+              <a:rPr lang="en-US" altLang="zh-TW" sz="2000" dirty="0"/>
+              <a:t>Cocos</a:t>
+            </a:r>
+            <a:r>
+              <a:rPr lang="zh-TW" altLang="en-US" sz="1800" dirty="0" smtClean="0"/>
+              <a:t> </a:t>
+            </a:r>
+            <a:r>
+              <a:rPr lang="zh-TW" altLang="en-US" sz="1800" dirty="0" smtClean="0"/>
+              <a:t>資源工具</a:t>
+            </a:r>
+            <a:endParaRPr lang="zh-TW" altLang="en-US" sz="1800" dirty="0"/>
           </a:p>
         </p:txBody>
       </p:sp>
@@ -3276,19 +3301,19 @@
               <a:t> </a:t>
             </a:r>
             <a:r>
-              <a:rPr lang="en-US" altLang="zh-TW" err="1" smtClean="0"/>
+              <a:rPr lang="en-US" altLang="zh-TW" dirty="0" err="1" smtClean="0"/>
               <a:t>inanna</a:t>
             </a:r>
             <a:r>
-              <a:rPr lang="en-US" altLang="zh-TW" smtClean="0"/>
+              <a:rPr lang="en-US" altLang="zh-TW" dirty="0" smtClean="0"/>
               <a:t> </a:t>
             </a:r>
             <a:r>
-              <a:rPr lang="zh-TW" altLang="en-US" smtClean="0"/>
+              <a:rPr lang="zh-TW" altLang="en-US" dirty="0" smtClean="0"/>
               <a:t>倉庫→</a:t>
             </a:r>
             <a:r>
-              <a:rPr lang="en-US" altLang="zh-TW" smtClean="0"/>
+              <a:rPr lang="en-US" altLang="zh-TW" dirty="0" smtClean="0"/>
               <a:t> </a:t>
             </a:r>
             <a:r>
@@ -3326,7 +3351,7 @@
         </p:blipFill>
         <p:spPr bwMode="auto">
           <a:xfrm>
-            <a:off x="5359402" y="-13295"/>
+            <a:off x="6910081" y="1499927"/>
             <a:ext cx="1878930" cy="1183445"/>
           </a:xfrm>
           <a:prstGeom prst="rect">
@@ -3348,17 +3373,19 @@
         <p:nvCxnSpPr>
           <p:cNvPr id="8" name="肘形接點 7"/>
           <p:cNvCxnSpPr>
-            <a:endCxn id="1026" idx="2"/>
+            <a:endCxn id="1026" idx="1"/>
           </p:cNvCxnSpPr>
           <p:nvPr/>
         </p:nvCxnSpPr>
         <p:spPr>
           <a:xfrm flipV="1">
-            <a:off x="4139952" y="1170150"/>
-            <a:ext cx="2158915" cy="1034714"/>
+            <a:off x="4345508" y="2091650"/>
+            <a:ext cx="2564573" cy="130078"/>
           </a:xfrm>
-          <a:prstGeom prst="bentConnector2">
-            <a:avLst/>
+          <a:prstGeom prst="bentConnector3">
+            <a:avLst>
+              <a:gd name="adj1" fmla="val 50000"/>
+            </a:avLst>
           </a:prstGeom>
           <a:ln w="12700">
             <a:solidFill>
@@ -3405,7 +3432,7 @@
         </p:blipFill>
         <p:spPr bwMode="auto">
           <a:xfrm>
-            <a:off x="7378988" y="-13295"/>
+            <a:off x="7023999" y="90130"/>
             <a:ext cx="1765012" cy="1183445"/>
           </a:xfrm>
           <a:prstGeom prst="rect">
@@ -3427,17 +3454,19 @@
         <p:nvCxnSpPr>
           <p:cNvPr id="14" name="肘形接點 13"/>
           <p:cNvCxnSpPr>
-            <a:endCxn id="1027" idx="2"/>
+            <a:endCxn id="1027" idx="1"/>
           </p:cNvCxnSpPr>
           <p:nvPr/>
         </p:nvCxnSpPr>
         <p:spPr>
           <a:xfrm flipV="1">
-            <a:off x="3058508" y="1170150"/>
-            <a:ext cx="5202986" cy="1322746"/>
+            <a:off x="2982216" y="681853"/>
+            <a:ext cx="4041783" cy="1854576"/>
           </a:xfrm>
-          <a:prstGeom prst="bentConnector2">
-            <a:avLst/>
+          <a:prstGeom prst="bentConnector3">
+            <a:avLst>
+              <a:gd name="adj1" fmla="val 78987"/>
+            </a:avLst>
           </a:prstGeom>
           <a:ln w="12700">
             <a:solidFill>
@@ -3647,7 +3676,7 @@
         </p:blipFill>
         <p:spPr bwMode="auto">
           <a:xfrm>
-            <a:off x="8016828" y="6037337"/>
+            <a:off x="7979126" y="5996563"/>
             <a:ext cx="899043" cy="601201"/>
           </a:xfrm>
           <a:prstGeom prst="rect">
@@ -3888,7 +3917,7 @@
         </p:nvSpPr>
         <p:spPr>
           <a:xfrm>
-            <a:off x="1032178" y="6641008"/>
+            <a:off x="1032178" y="6597764"/>
             <a:ext cx="7119701" cy="215444"/>
           </a:xfrm>
           <a:prstGeom prst="rect">
@@ -3967,7 +3996,7 @@
         </p:nvSpPr>
         <p:spPr>
           <a:xfrm>
-            <a:off x="24973" y="6520820"/>
+            <a:off x="24973" y="6477576"/>
             <a:ext cx="1019831" cy="369332"/>
           </a:xfrm>
           <a:prstGeom prst="rect">

--- a/CocosStudio_DevTool.pptx
+++ b/CocosStudio_DevTool.pptx
@@ -3072,11 +3072,7 @@
             </a:r>
             <a:r>
               <a:rPr lang="zh-TW" altLang="en-US" sz="1800" dirty="0" smtClean="0"/>
-              <a:t>自動</a:t>
-            </a:r>
-            <a:r>
-              <a:rPr lang="zh-TW" altLang="en-US" sz="1800" dirty="0" smtClean="0"/>
-              <a:t>編</a:t>
+              <a:t>自動編</a:t>
             </a:r>
             <a:r>
               <a:rPr lang="en-US" altLang="zh-TW" sz="2000" dirty="0"/>
@@ -3084,11 +3080,7 @@
             </a:r>
             <a:r>
               <a:rPr lang="zh-TW" altLang="en-US" sz="1800" dirty="0" smtClean="0"/>
-              <a:t> </a:t>
-            </a:r>
-            <a:r>
-              <a:rPr lang="zh-TW" altLang="en-US" sz="1800" dirty="0" smtClean="0"/>
-              <a:t>資源工具</a:t>
+              <a:t> 資源工具</a:t>
             </a:r>
             <a:endParaRPr lang="zh-TW" altLang="en-US" sz="1800" dirty="0"/>
           </a:p>
@@ -3676,8 +3668,8 @@
         </p:blipFill>
         <p:spPr bwMode="auto">
           <a:xfrm>
-            <a:off x="7979126" y="5996563"/>
-            <a:ext cx="899043" cy="601201"/>
+            <a:off x="7596337" y="5769505"/>
+            <a:ext cx="1524700" cy="1019585"/>
           </a:xfrm>
           <a:prstGeom prst="rect">
             <a:avLst/>
@@ -3917,7 +3909,7 @@
         </p:nvSpPr>
         <p:spPr>
           <a:xfrm>
-            <a:off x="1032178" y="6597764"/>
+            <a:off x="910792" y="6530171"/>
             <a:ext cx="7119701" cy="215444"/>
           </a:xfrm>
           <a:prstGeom prst="rect">
@@ -3996,7 +3988,7 @@
         </p:nvSpPr>
         <p:spPr>
           <a:xfrm>
-            <a:off x="24973" y="6477576"/>
+            <a:off x="12347" y="6409984"/>
             <a:ext cx="1019831" cy="369332"/>
           </a:xfrm>
           <a:prstGeom prst="rect">
@@ -4146,7 +4138,7 @@
         </p:nvSpPr>
         <p:spPr>
           <a:xfrm>
-            <a:off x="1044804" y="6083503"/>
+            <a:off x="923418" y="6200576"/>
             <a:ext cx="3874824" cy="276999"/>
           </a:xfrm>
           <a:prstGeom prst="rect">
@@ -4213,8 +4205,8 @@
         </p:nvSpPr>
         <p:spPr>
           <a:xfrm>
-            <a:off x="150969" y="6037337"/>
-            <a:ext cx="728084" cy="369332"/>
+            <a:off x="43445" y="6154411"/>
+            <a:ext cx="957634" cy="369332"/>
           </a:xfrm>
           <a:prstGeom prst="rect">
             <a:avLst/>
@@ -4228,7 +4220,7 @@
           <a:p>
             <a:r>
               <a:rPr lang="en-US" altLang="zh-TW" dirty="0" smtClean="0"/>
-              <a:t>demo</a:t>
+              <a:t>Tool link</a:t>
             </a:r>
             <a:endParaRPr lang="zh-TW" altLang="en-US" dirty="0"/>
           </a:p>
